--- a/CordobaAPI/Files/Monthly Report.pptx
+++ b/CordobaAPI/Files/Monthly Report.pptx
@@ -140,7 +140,7 @@
               <a:defRPr/>
             </a:pPr>
             <a:r>
-              <a:t>PARTICIPANTS (2254)</a:t>
+              <a:t>PARTICIPANTS (59)</a:t>
             </a:r>
           </a:p>
         </c:rich>
@@ -204,10 +204,10 @@
                 <c:formatCode>General</c:formatCode>
                 <c:ptCount val="2"/>
                 <c:pt idx="0">
-                  <c:v>2107</c:v>
+                  <c:v>47</c:v>
                 </c:pt>
                 <c:pt idx="1">
-                  <c:v>147</c:v>
+                  <c:v>12</c:v>
                 </c:pt>
               </c:numCache>
             </c:numRef>
@@ -291,7 +291,7 @@
               <a:defRPr/>
             </a:pPr>
             <a:r>
-              <a:t>POINTS (146418)</a:t>
+              <a:t>POINTS (188192)</a:t>
             </a:r>
           </a:p>
         </c:rich>
@@ -355,10 +355,10 @@
                 <c:formatCode>General</c:formatCode>
                 <c:ptCount val="2"/>
                 <c:pt idx="0">
-                  <c:v>141080</c:v>
+                  <c:v>185510</c:v>
                 </c:pt>
                 <c:pt idx="1">
-                  <c:v>5338</c:v>
+                  <c:v>2682</c:v>
                 </c:pt>
               </c:numCache>
             </c:numRef>
@@ -485,73 +485,73 @@
               <c:strCache>
                 <c:ptCount val="23"/>
                 <c:pt idx="0">
-                  <c:v>January-2017</c:v>
+                  <c:v>January-2018</c:v>
                 </c:pt>
                 <c:pt idx="1">
-                  <c:v>February-2017</c:v>
+                  <c:v>February-2018</c:v>
                 </c:pt>
                 <c:pt idx="2">
-                  <c:v>March-2017</c:v>
+                  <c:v>March-2018</c:v>
                 </c:pt>
                 <c:pt idx="3">
-                  <c:v>April-2017</c:v>
+                  <c:v>April-2018</c:v>
                 </c:pt>
                 <c:pt idx="4">
-                  <c:v>May-2017</c:v>
+                  <c:v>May-2018</c:v>
                 </c:pt>
                 <c:pt idx="5">
-                  <c:v>June-2017</c:v>
+                  <c:v>June-2018</c:v>
                 </c:pt>
                 <c:pt idx="6">
-                  <c:v>July-2017</c:v>
+                  <c:v>July-2018</c:v>
                 </c:pt>
                 <c:pt idx="7">
-                  <c:v>August-2017</c:v>
+                  <c:v>August-2018</c:v>
                 </c:pt>
                 <c:pt idx="8">
-                  <c:v>September-2017</c:v>
+                  <c:v>September-2018</c:v>
                 </c:pt>
                 <c:pt idx="9">
-                  <c:v>October-2017</c:v>
+                  <c:v>October-2018</c:v>
                 </c:pt>
                 <c:pt idx="10">
-                  <c:v>November-2017</c:v>
+                  <c:v>November-2018</c:v>
                 </c:pt>
                 <c:pt idx="11">
-                  <c:v>December-2017</c:v>
+                  <c:v>December-2018</c:v>
                 </c:pt>
                 <c:pt idx="12">
-                  <c:v>January-2018</c:v>
+                  <c:v>January-2019</c:v>
                 </c:pt>
                 <c:pt idx="13">
-                  <c:v>February-2018</c:v>
+                  <c:v>February-2019</c:v>
                 </c:pt>
                 <c:pt idx="14">
-                  <c:v>March-2018</c:v>
+                  <c:v>March-2019</c:v>
                 </c:pt>
                 <c:pt idx="15">
-                  <c:v>April-2018</c:v>
+                  <c:v>April-2019</c:v>
                 </c:pt>
                 <c:pt idx="16">
-                  <c:v>May-2018</c:v>
+                  <c:v>May-2019</c:v>
                 </c:pt>
                 <c:pt idx="17">
-                  <c:v>June-2018</c:v>
+                  <c:v>June-2019</c:v>
                 </c:pt>
                 <c:pt idx="18">
-                  <c:v>July-2018</c:v>
+                  <c:v>July-2019</c:v>
                 </c:pt>
                 <c:pt idx="19">
-                  <c:v>August-2018</c:v>
+                  <c:v>August-2019</c:v>
                 </c:pt>
                 <c:pt idx="20">
-                  <c:v>September-2018</c:v>
+                  <c:v>September-2019</c:v>
                 </c:pt>
                 <c:pt idx="21">
-                  <c:v>October-2018</c:v>
+                  <c:v>October-2019</c:v>
                 </c:pt>
                 <c:pt idx="22">
-                  <c:v>November-2018</c:v>
+                  <c:v>November-2019</c:v>
                 </c:pt>
               </c:strCache>
             </c:strRef>
@@ -563,73 +563,73 @@
                 <c:formatCode>General</c:formatCode>
                 <c:ptCount val="23"/>
                 <c:pt idx="0">
-                  <c:v>25</c:v>
+                  <c:v>9</c:v>
                 </c:pt>
                 <c:pt idx="1">
+                  <c:v>0</c:v>
+                </c:pt>
+                <c:pt idx="2">
+                  <c:v>1</c:v>
+                </c:pt>
+                <c:pt idx="3">
+                  <c:v>0</c:v>
+                </c:pt>
+                <c:pt idx="4">
+                  <c:v>0</c:v>
+                </c:pt>
+                <c:pt idx="5">
+                  <c:v>2</c:v>
+                </c:pt>
+                <c:pt idx="6">
                   <c:v>3</c:v>
                 </c:pt>
-                <c:pt idx="2">
-                  <c:v>9</c:v>
-                </c:pt>
-                <c:pt idx="3">
-                  <c:v>6</c:v>
-                </c:pt>
-                <c:pt idx="4">
-                  <c:v>14</c:v>
-                </c:pt>
-                <c:pt idx="5">
-                  <c:v>15</c:v>
-                </c:pt>
-                <c:pt idx="6">
-                  <c:v>17</c:v>
-                </c:pt>
                 <c:pt idx="7">
-                  <c:v>37</c:v>
+                  <c:v>0</c:v>
                 </c:pt>
                 <c:pt idx="8">
-                  <c:v>33</c:v>
+                  <c:v>0</c:v>
                 </c:pt>
                 <c:pt idx="9">
-                  <c:v>4</c:v>
+                  <c:v>0</c:v>
                 </c:pt>
                 <c:pt idx="10">
-                  <c:v>2</c:v>
+                  <c:v>1</c:v>
                 </c:pt>
                 <c:pt idx="11">
-                  <c:v>4</c:v>
+                  <c:v>0</c:v>
                 </c:pt>
                 <c:pt idx="12">
-                  <c:v>11</c:v>
+                  <c:v>1</c:v>
                 </c:pt>
                 <c:pt idx="13">
-                  <c:v>12</c:v>
+                  <c:v>1</c:v>
                 </c:pt>
                 <c:pt idx="14">
-                  <c:v>22</c:v>
+                  <c:v>0</c:v>
                 </c:pt>
                 <c:pt idx="15">
-                  <c:v>21</c:v>
+                  <c:v>0</c:v>
                 </c:pt>
                 <c:pt idx="16">
-                  <c:v>44</c:v>
+                  <c:v>3</c:v>
                 </c:pt>
                 <c:pt idx="17">
-                  <c:v>23</c:v>
+                  <c:v>3</c:v>
                 </c:pt>
                 <c:pt idx="18">
-                  <c:v>29</c:v>
+                  <c:v>0</c:v>
                 </c:pt>
                 <c:pt idx="19">
-                  <c:v>33</c:v>
+                  <c:v>0</c:v>
                 </c:pt>
                 <c:pt idx="20">
-                  <c:v>25</c:v>
+                  <c:v>1</c:v>
                 </c:pt>
                 <c:pt idx="21">
-                  <c:v>33</c:v>
+                  <c:v>0</c:v>
                 </c:pt>
                 <c:pt idx="22">
-                  <c:v>15</c:v>
+                  <c:v>0</c:v>
                 </c:pt>
               </c:numCache>
             </c:numRef>
@@ -666,73 +666,73 @@
               <c:strCache>
                 <c:ptCount val="23"/>
                 <c:pt idx="0">
-                  <c:v>January-2017</c:v>
+                  <c:v>January-2018</c:v>
                 </c:pt>
                 <c:pt idx="1">
-                  <c:v>February-2017</c:v>
+                  <c:v>February-2018</c:v>
                 </c:pt>
                 <c:pt idx="2">
-                  <c:v>March-2017</c:v>
+                  <c:v>March-2018</c:v>
                 </c:pt>
                 <c:pt idx="3">
-                  <c:v>April-2017</c:v>
+                  <c:v>April-2018</c:v>
                 </c:pt>
                 <c:pt idx="4">
-                  <c:v>May-2017</c:v>
+                  <c:v>May-2018</c:v>
                 </c:pt>
                 <c:pt idx="5">
-                  <c:v>June-2017</c:v>
+                  <c:v>June-2018</c:v>
                 </c:pt>
                 <c:pt idx="6">
-                  <c:v>July-2017</c:v>
+                  <c:v>July-2018</c:v>
                 </c:pt>
                 <c:pt idx="7">
-                  <c:v>August-2017</c:v>
+                  <c:v>August-2018</c:v>
                 </c:pt>
                 <c:pt idx="8">
-                  <c:v>September-2017</c:v>
+                  <c:v>September-2018</c:v>
                 </c:pt>
                 <c:pt idx="9">
-                  <c:v>October-2017</c:v>
+                  <c:v>October-2018</c:v>
                 </c:pt>
                 <c:pt idx="10">
-                  <c:v>November-2017</c:v>
+                  <c:v>November-2018</c:v>
                 </c:pt>
                 <c:pt idx="11">
-                  <c:v>December-2017</c:v>
+                  <c:v>December-2018</c:v>
                 </c:pt>
                 <c:pt idx="12">
-                  <c:v>January-2018</c:v>
+                  <c:v>January-2019</c:v>
                 </c:pt>
                 <c:pt idx="13">
-                  <c:v>February-2018</c:v>
+                  <c:v>February-2019</c:v>
                 </c:pt>
                 <c:pt idx="14">
-                  <c:v>March-2018</c:v>
+                  <c:v>March-2019</c:v>
                 </c:pt>
                 <c:pt idx="15">
-                  <c:v>April-2018</c:v>
+                  <c:v>April-2019</c:v>
                 </c:pt>
                 <c:pt idx="16">
-                  <c:v>May-2018</c:v>
+                  <c:v>May-2019</c:v>
                 </c:pt>
                 <c:pt idx="17">
-                  <c:v>June-2018</c:v>
+                  <c:v>June-2019</c:v>
                 </c:pt>
                 <c:pt idx="18">
-                  <c:v>July-2018</c:v>
+                  <c:v>July-2019</c:v>
                 </c:pt>
                 <c:pt idx="19">
-                  <c:v>August-2018</c:v>
+                  <c:v>August-2019</c:v>
                 </c:pt>
                 <c:pt idx="20">
-                  <c:v>September-2018</c:v>
+                  <c:v>September-2019</c:v>
                 </c:pt>
                 <c:pt idx="21">
-                  <c:v>October-2018</c:v>
+                  <c:v>October-2019</c:v>
                 </c:pt>
                 <c:pt idx="22">
-                  <c:v>November-2018</c:v>
+                  <c:v>November-2019</c:v>
                 </c:pt>
               </c:strCache>
             </c:strRef>
@@ -990,43 +990,43 @@
               <c:strCache>
                 <c:ptCount val="13"/>
                 <c:pt idx="0">
-                  <c:v>January-2017</c:v>
+                  <c:v>January-2018</c:v>
                 </c:pt>
                 <c:pt idx="1">
-                  <c:v>February-2017</c:v>
+                  <c:v>February-2018</c:v>
                 </c:pt>
                 <c:pt idx="2">
-                  <c:v>March-2017</c:v>
+                  <c:v>March-2018</c:v>
                 </c:pt>
                 <c:pt idx="3">
-                  <c:v>April-2017</c:v>
+                  <c:v>April-2018</c:v>
                 </c:pt>
                 <c:pt idx="4">
-                  <c:v>May-2017</c:v>
+                  <c:v>May-2018</c:v>
                 </c:pt>
                 <c:pt idx="5">
-                  <c:v>June-2017</c:v>
+                  <c:v>June-2018</c:v>
                 </c:pt>
                 <c:pt idx="6">
-                  <c:v>July-2017</c:v>
+                  <c:v>July-2018</c:v>
                 </c:pt>
                 <c:pt idx="7">
-                  <c:v>August-2017</c:v>
+                  <c:v>August-2018</c:v>
                 </c:pt>
                 <c:pt idx="8">
-                  <c:v>September-2017</c:v>
+                  <c:v>September-2018</c:v>
                 </c:pt>
                 <c:pt idx="9">
-                  <c:v>October-2017</c:v>
+                  <c:v>October-2018</c:v>
                 </c:pt>
                 <c:pt idx="10">
-                  <c:v>November-2017</c:v>
+                  <c:v>November-2018</c:v>
                 </c:pt>
                 <c:pt idx="11">
-                  <c:v>December-2017</c:v>
+                  <c:v>December-2018</c:v>
                 </c:pt>
                 <c:pt idx="12">
-                  <c:v>January-2018</c:v>
+                  <c:v>January-2019</c:v>
                 </c:pt>
               </c:strCache>
             </c:strRef>
@@ -1038,43 +1038,43 @@
                 <c:formatCode>General</c:formatCode>
                 <c:ptCount val="13"/>
                 <c:pt idx="0">
-                  <c:v>5988</c:v>
+                  <c:v>5425</c:v>
                 </c:pt>
                 <c:pt idx="1">
-                  <c:v>6183</c:v>
+                  <c:v>143</c:v>
                 </c:pt>
                 <c:pt idx="2">
-                  <c:v>5638</c:v>
+                  <c:v>5000</c:v>
                 </c:pt>
                 <c:pt idx="3">
-                  <c:v>31633</c:v>
+                  <c:v>1125</c:v>
                 </c:pt>
                 <c:pt idx="4">
-                  <c:v>8810</c:v>
+                  <c:v>10</c:v>
                 </c:pt>
                 <c:pt idx="5">
-                  <c:v>9222</c:v>
+                  <c:v>4587</c:v>
                 </c:pt>
                 <c:pt idx="6">
-                  <c:v>12174</c:v>
+                  <c:v>4000</c:v>
                 </c:pt>
                 <c:pt idx="7">
-                  <c:v>12150</c:v>
+                  <c:v>0</c:v>
                 </c:pt>
                 <c:pt idx="8">
-                  <c:v>8859</c:v>
+                  <c:v>5000</c:v>
                 </c:pt>
                 <c:pt idx="9">
-                  <c:v>10085</c:v>
+                  <c:v>10</c:v>
                 </c:pt>
                 <c:pt idx="10">
-                  <c:v>7280</c:v>
+                  <c:v>0</c:v>
                 </c:pt>
                 <c:pt idx="11">
-                  <c:v>8680</c:v>
+                  <c:v>100</c:v>
                 </c:pt>
                 <c:pt idx="12">
-                  <c:v>4270</c:v>
+                  <c:v>40000</c:v>
                 </c:pt>
               </c:numCache>
             </c:numRef>
@@ -1111,43 +1111,43 @@
               <c:strCache>
                 <c:ptCount val="13"/>
                 <c:pt idx="0">
-                  <c:v>January-2017</c:v>
+                  <c:v>January-2018</c:v>
                 </c:pt>
                 <c:pt idx="1">
-                  <c:v>February-2017</c:v>
+                  <c:v>February-2018</c:v>
                 </c:pt>
                 <c:pt idx="2">
-                  <c:v>March-2017</c:v>
+                  <c:v>March-2018</c:v>
                 </c:pt>
                 <c:pt idx="3">
-                  <c:v>April-2017</c:v>
+                  <c:v>April-2018</c:v>
                 </c:pt>
                 <c:pt idx="4">
-                  <c:v>May-2017</c:v>
+                  <c:v>May-2018</c:v>
                 </c:pt>
                 <c:pt idx="5">
-                  <c:v>June-2017</c:v>
+                  <c:v>June-2018</c:v>
                 </c:pt>
                 <c:pt idx="6">
-                  <c:v>July-2017</c:v>
+                  <c:v>July-2018</c:v>
                 </c:pt>
                 <c:pt idx="7">
-                  <c:v>August-2017</c:v>
+                  <c:v>August-2018</c:v>
                 </c:pt>
                 <c:pt idx="8">
-                  <c:v>September-2017</c:v>
+                  <c:v>September-2018</c:v>
                 </c:pt>
                 <c:pt idx="9">
-                  <c:v>October-2017</c:v>
+                  <c:v>October-2018</c:v>
                 </c:pt>
                 <c:pt idx="10">
-                  <c:v>November-2017</c:v>
+                  <c:v>November-2018</c:v>
                 </c:pt>
                 <c:pt idx="11">
-                  <c:v>December-2017</c:v>
+                  <c:v>December-2018</c:v>
                 </c:pt>
                 <c:pt idx="12">
-                  <c:v>January-2018</c:v>
+                  <c:v>January-2019</c:v>
                 </c:pt>
               </c:strCache>
             </c:strRef>
@@ -1375,43 +1375,43 @@
               <c:strCache>
                 <c:ptCount val="13"/>
                 <c:pt idx="0">
-                  <c:v>January-2017</c:v>
+                  <c:v>January-2018</c:v>
                 </c:pt>
                 <c:pt idx="1">
-                  <c:v>February-2017</c:v>
+                  <c:v>February-2018</c:v>
                 </c:pt>
                 <c:pt idx="2">
-                  <c:v>March-2017</c:v>
+                  <c:v>March-2018</c:v>
                 </c:pt>
                 <c:pt idx="3">
-                  <c:v>April-2017</c:v>
+                  <c:v>April-2018</c:v>
                 </c:pt>
                 <c:pt idx="4">
-                  <c:v>May-2017</c:v>
+                  <c:v>May-2018</c:v>
                 </c:pt>
                 <c:pt idx="5">
-                  <c:v>June-2017</c:v>
+                  <c:v>June-2018</c:v>
                 </c:pt>
                 <c:pt idx="6">
-                  <c:v>July-2017</c:v>
+                  <c:v>July-2018</c:v>
                 </c:pt>
                 <c:pt idx="7">
-                  <c:v>August-2017</c:v>
+                  <c:v>August-2018</c:v>
                 </c:pt>
                 <c:pt idx="8">
-                  <c:v>September-2017</c:v>
+                  <c:v>September-2018</c:v>
                 </c:pt>
                 <c:pt idx="9">
-                  <c:v>October-2017</c:v>
+                  <c:v>October-2018</c:v>
                 </c:pt>
                 <c:pt idx="10">
-                  <c:v>November-2017</c:v>
+                  <c:v>November-2018</c:v>
                 </c:pt>
                 <c:pt idx="11">
-                  <c:v>December-2017</c:v>
+                  <c:v>December-2018</c:v>
                 </c:pt>
                 <c:pt idx="12">
-                  <c:v>January-2018</c:v>
+                  <c:v>January-2019</c:v>
                 </c:pt>
               </c:strCache>
             </c:strRef>
@@ -1423,43 +1423,43 @@
                 <c:formatCode>General</c:formatCode>
                 <c:ptCount val="13"/>
                 <c:pt idx="0">
-                  <c:v>2418</c:v>
+                  <c:v>7602</c:v>
                 </c:pt>
                 <c:pt idx="1">
-                  <c:v>1773</c:v>
+                  <c:v>0</c:v>
                 </c:pt>
                 <c:pt idx="2">
-                  <c:v>1522</c:v>
+                  <c:v>5</c:v>
                 </c:pt>
                 <c:pt idx="3">
-                  <c:v>5296</c:v>
+                  <c:v>0</c:v>
                 </c:pt>
                 <c:pt idx="4">
-                  <c:v>3532</c:v>
+                  <c:v>1737</c:v>
                 </c:pt>
                 <c:pt idx="5">
-                  <c:v>2127</c:v>
+                  <c:v>8205</c:v>
                 </c:pt>
                 <c:pt idx="6">
-                  <c:v>3498</c:v>
+                  <c:v>1701</c:v>
                 </c:pt>
                 <c:pt idx="7">
-                  <c:v>6479</c:v>
+                  <c:v>1272</c:v>
                 </c:pt>
                 <c:pt idx="8">
-                  <c:v>2895</c:v>
+                  <c:v>1593</c:v>
                 </c:pt>
                 <c:pt idx="9">
-                  <c:v>3843</c:v>
+                  <c:v>1694</c:v>
                 </c:pt>
                 <c:pt idx="10">
-                  <c:v>11672</c:v>
+                  <c:v>460</c:v>
                 </c:pt>
                 <c:pt idx="11">
-                  <c:v>9452</c:v>
+                  <c:v>574</c:v>
                 </c:pt>
                 <c:pt idx="12">
-                  <c:v>2301</c:v>
+                  <c:v>638</c:v>
                 </c:pt>
               </c:numCache>
             </c:numRef>
@@ -1496,43 +1496,43 @@
               <c:strCache>
                 <c:ptCount val="13"/>
                 <c:pt idx="0">
-                  <c:v>January-2017</c:v>
+                  <c:v>January-2018</c:v>
                 </c:pt>
                 <c:pt idx="1">
-                  <c:v>February-2017</c:v>
+                  <c:v>February-2018</c:v>
                 </c:pt>
                 <c:pt idx="2">
-                  <c:v>March-2017</c:v>
+                  <c:v>March-2018</c:v>
                 </c:pt>
                 <c:pt idx="3">
-                  <c:v>April-2017</c:v>
+                  <c:v>April-2018</c:v>
                 </c:pt>
                 <c:pt idx="4">
-                  <c:v>May-2017</c:v>
+                  <c:v>May-2018</c:v>
                 </c:pt>
                 <c:pt idx="5">
-                  <c:v>June-2017</c:v>
+                  <c:v>June-2018</c:v>
                 </c:pt>
                 <c:pt idx="6">
-                  <c:v>July-2017</c:v>
+                  <c:v>July-2018</c:v>
                 </c:pt>
                 <c:pt idx="7">
-                  <c:v>August-2017</c:v>
+                  <c:v>August-2018</c:v>
                 </c:pt>
                 <c:pt idx="8">
-                  <c:v>September-2017</c:v>
+                  <c:v>September-2018</c:v>
                 </c:pt>
                 <c:pt idx="9">
-                  <c:v>October-2017</c:v>
+                  <c:v>October-2018</c:v>
                 </c:pt>
                 <c:pt idx="10">
-                  <c:v>November-2017</c:v>
+                  <c:v>November-2018</c:v>
                 </c:pt>
                 <c:pt idx="11">
-                  <c:v>December-2017</c:v>
+                  <c:v>December-2018</c:v>
                 </c:pt>
                 <c:pt idx="12">
-                  <c:v>January-2018</c:v>
+                  <c:v>January-2019</c:v>
                 </c:pt>
               </c:strCache>
             </c:strRef>
@@ -1756,27 +1756,33 @@
           <c:invertIfNegative/>
           <c:cat>
             <c:strRef>
-              <c:f>Sheet1!$A$2:$A$4</c:f>
+              <c:f>Sheet1!$A$2:$A$6</c:f>
               <c:strCache>
-                <c:ptCount val="3"/>
+                <c:ptCount val="5"/>
                 <c:pt idx="0">
-                  <c:v>Fashion</c:v>
+                  <c:v>Apple Iphone accessories</c:v>
                 </c:pt>
                 <c:pt idx="1">
-                  <c:v>Sports and Leisure</c:v>
+                  <c:v>Experiences</c:v>
                 </c:pt>
                 <c:pt idx="2">
+                  <c:v>Hotel Chocolat</c:v>
+                </c:pt>
+                <c:pt idx="3">
                   <c:v>Vouchers</c:v>
+                </c:pt>
+                <c:pt idx="4">
+                  <c:v>Watches</c:v>
                 </c:pt>
               </c:strCache>
             </c:strRef>
           </c:cat>
           <c:val>
             <c:numRef>
-              <c:f>Sheet1!$B$2:$B$4</c:f>
+              <c:f>Sheet1!$B$2:$B$6</c:f>
               <c:numCache>
                 <c:formatCode>General</c:formatCode>
-                <c:ptCount val="3"/>
+                <c:ptCount val="5"/>
                 <c:pt idx="0">
                   <c:v>1</c:v>
                 </c:pt>
@@ -1784,7 +1790,13 @@
                   <c:v>1</c:v>
                 </c:pt>
                 <c:pt idx="2">
-                  <c:v>11</c:v>
+                  <c:v>4</c:v>
+                </c:pt>
+                <c:pt idx="3">
+                  <c:v>1</c:v>
+                </c:pt>
+                <c:pt idx="4">
+                  <c:v>1</c:v>
                 </c:pt>
               </c:numCache>
             </c:numRef>
@@ -1817,27 +1829,33 @@
           </c:marker>
           <c:cat>
             <c:strRef>
-              <c:f>Sheet1!$A$2:$A$4</c:f>
+              <c:f>Sheet1!$A$2:$A$6</c:f>
               <c:strCache>
-                <c:ptCount val="3"/>
+                <c:ptCount val="5"/>
                 <c:pt idx="0">
-                  <c:v>Fashion</c:v>
+                  <c:v>Apple Iphone accessories</c:v>
                 </c:pt>
                 <c:pt idx="1">
-                  <c:v>Sports and Leisure</c:v>
+                  <c:v>Experiences</c:v>
                 </c:pt>
                 <c:pt idx="2">
+                  <c:v>Hotel Chocolat</c:v>
+                </c:pt>
+                <c:pt idx="3">
                   <c:v>Vouchers</c:v>
+                </c:pt>
+                <c:pt idx="4">
+                  <c:v>Watches</c:v>
                 </c:pt>
               </c:strCache>
             </c:strRef>
           </c:cat>
           <c:val>
             <c:numRef>
-              <c:f>Sheet1!$C$2:$C$4</c:f>
+              <c:f>Sheet1!$C$2:$C$6</c:f>
               <c:numCache>
                 <c:formatCode>General</c:formatCode>
-                <c:ptCount val="3"/>
+                <c:ptCount val="5"/>
                 <c:pt idx="0">
                   <c:v/>
                 </c:pt>
@@ -1845,6 +1863,12 @@
                   <c:v/>
                 </c:pt>
                 <c:pt idx="2">
+                  <c:v/>
+                </c:pt>
+                <c:pt idx="3">
+                  <c:v/>
+                </c:pt>
+                <c:pt idx="4">
                   <c:v/>
                 </c:pt>
               </c:numCache>
@@ -5033,7 +5057,7 @@
           <p:nvPr/>
         </p:nvPicPr>
         <p:blipFill>
-          <a:blip r:embed="rId3"/>
+          <a:blip r:embed="rId2"/>
           <a:srcRect/>
           <a:stretch>
             <a:fillRect/>
@@ -5149,7 +5173,7 @@
           <p:nvPr/>
         </p:nvPicPr>
         <p:blipFill>
-          <a:blip r:embed="rId4"/>
+          <a:blip r:embed="rId3"/>
           <a:srcRect/>
           <a:stretch>
             <a:fillRect/>
@@ -5181,7 +5205,7 @@
           <a:bodyPr/>
           <a:lstStyle/>
           <a:p>
-            <a:fld id="{30BD2947-AE7C-411C-9261-401CD366ABAB}" type="slidenum">
+            <a:fld id="{9525B3AE-E0A6-4CAC-9E6B-2697311C9C42}" type="slidenum">
               <a:rPr lang="en-US"/>
               <a:t>1</a:t>
             </a:fld>
@@ -5235,7 +5259,7 @@
           <a:bodyPr/>
           <a:lstStyle/>
           <a:p>
-            <a:fld id="{24CBFB93-7B5C-402F-AE3D-EC6DBD1EDE0C}" type="slidenum">
+            <a:fld id="{CCB8B687-3BA4-4EE0-8DC1-1989DBF97565}" type="slidenum">
               <a:rPr lang="en-US"/>
               <a:t>2</a:t>
             </a:fld>
@@ -5383,7 +5407,7 @@
           <a:bodyPr/>
           <a:lstStyle/>
           <a:p>
-            <a:fld id="{B814E145-5C86-439F-B7E8-012171CC409F}" type="slidenum">
+            <a:fld id="{B4842EE0-B7C1-45A8-AF7F-14126DE94F0C}" type="slidenum">
               <a:rPr lang="en-US"/>
               <a:t>3</a:t>
             </a:fld>
@@ -5539,7 +5563,7 @@
           <a:bodyPr/>
           <a:lstStyle/>
           <a:p>
-            <a:fld id="{759A7D94-419C-4FBF-9D09-F58486DF1484}" type="slidenum">
+            <a:fld id="{3ECAA943-18EF-4026-9BDE-78BD0FB13E16}" type="slidenum">
               <a:rPr lang="en-US"/>
               <a:t>4</a:t>
             </a:fld>
@@ -5633,7 +5657,7 @@
           <a:bodyPr/>
           <a:lstStyle/>
           <a:p>
-            <a:fld id="{997189A4-8DCF-40A8-AEBF-84BA10FF5BA8}" type="slidenum">
+            <a:fld id="{616A7EFF-8BC3-4D1B-8145-905DFBCBBFE1}" type="slidenum">
               <a:rPr lang="en-US"/>
               <a:t>5</a:t>
             </a:fld>
@@ -5720,7 +5744,7 @@
         </p:nvGraphicFramePr>
         <p:xfrm>
           <a:off x="1079500" y="1905000"/>
-          <a:ext cx="6350000" cy="4175760"/>
+          <a:ext cx="6350000" cy="4023360"/>
         </p:xfrm>
         <a:graphic>
           <a:graphicData uri="http://schemas.openxmlformats.org/drawingml/2006/table">
@@ -5817,7 +5841,7 @@
                         <a:rPr sz="1000" dirty="1">
                           <a:latin typeface="Arial Narrow"/>
                         </a:rPr>
-                        <a:t>Jaky Pigeon</a:t>
+                        <a:t>Krupesh Patel</a:t>
                       </a:r>
                     </a:p>
                   </a:txBody>
@@ -5832,7 +5856,7 @@
                         <a:rPr sz="1000" dirty="1">
                           <a:latin typeface="Arial Narrow"/>
                         </a:rPr>
-                        <a:t>jack.kilometres88@gmail.com</a:t>
+                        <a:t>krupesh.p@shaligraminfotech.com</a:t>
                       </a:r>
                     </a:p>
                   </a:txBody>
@@ -5847,7 +5871,7 @@
                         <a:rPr sz="1000" dirty="1">
                           <a:latin typeface="Arial Narrow"/>
                         </a:rPr>
-                        <a:t>1743</a:t>
+                        <a:t>125529</a:t>
                       </a:r>
                     </a:p>
                   </a:txBody>
@@ -5877,7 +5901,7 @@
                         <a:rPr sz="1000" dirty="1">
                           <a:latin typeface="Arial Narrow"/>
                         </a:rPr>
-                        <a:t>8/18/2016</a:t>
+                        <a:t>9/2/2019</a:t>
                       </a:r>
                     </a:p>
                   </a:txBody>
@@ -5894,7 +5918,7 @@
                         <a:rPr sz="1000" dirty="1">
                           <a:latin typeface="Arial Narrow"/>
                         </a:rPr>
-                        <a:t>Jason O'Neill</a:t>
+                        <a:t>Ruben Pritchard</a:t>
                       </a:r>
                     </a:p>
                   </a:txBody>
@@ -5909,7 +5933,7 @@
                         <a:rPr sz="1000" dirty="1">
                           <a:latin typeface="Arial Narrow"/>
                         </a:rPr>
-                        <a:t>jason@thebigcoffee.com</a:t>
+                        <a:t>ruben.pritchard@unipart.com</a:t>
                       </a:r>
                     </a:p>
                   </a:txBody>
@@ -5924,7 +5948,7 @@
                         <a:rPr sz="1000" dirty="1">
                           <a:latin typeface="Arial Narrow"/>
                         </a:rPr>
-                        <a:t>1230</a:t>
+                        <a:t>5000</a:t>
                       </a:r>
                     </a:p>
                   </a:txBody>
@@ -5954,7 +5978,7 @@
                         <a:rPr sz="1000" dirty="1">
                           <a:latin typeface="Arial Narrow"/>
                         </a:rPr>
-                        <a:t>3/29/2017</a:t>
+                        <a:t>3/9/2018</a:t>
                       </a:r>
                     </a:p>
                   </a:txBody>
@@ -5971,7 +5995,7 @@
                         <a:rPr sz="1000" dirty="1">
                           <a:latin typeface="Arial Narrow"/>
                         </a:rPr>
-                        <a:t>Chris Jakeways</a:t>
+                        <a:t>David  Tull</a:t>
                       </a:r>
                     </a:p>
                   </a:txBody>
@@ -5986,7 +6010,7 @@
                         <a:rPr sz="1000" dirty="1">
                           <a:latin typeface="Arial Narrow"/>
                         </a:rPr>
-                        <a:t>chris@vansalesuk.co.uk</a:t>
+                        <a:t>david.tull@chg-meridian.com</a:t>
                       </a:r>
                     </a:p>
                   </a:txBody>
@@ -6001,7 +6025,7 @@
                         <a:rPr sz="1000" dirty="1">
                           <a:latin typeface="Arial Narrow"/>
                         </a:rPr>
-                        <a:t>1189</a:t>
+                        <a:t>2261</a:t>
                       </a:r>
                     </a:p>
                   </a:txBody>
@@ -6031,7 +6055,7 @@
                         <a:rPr sz="1000" dirty="1">
                           <a:latin typeface="Arial Narrow"/>
                         </a:rPr>
-                        <a:t>1/25/2017</a:t>
+                        <a:t>7/10/2018</a:t>
                       </a:r>
                     </a:p>
                   </a:txBody>
@@ -6048,7 +6072,7 @@
                         <a:rPr sz="1000" dirty="1">
                           <a:latin typeface="Arial Narrow"/>
                         </a:rPr>
-                        <a:t>Tony Lacey</a:t>
+                        <a:t>Evelyne Belaud</a:t>
                       </a:r>
                     </a:p>
                   </a:txBody>
@@ -6063,7 +6087,7 @@
                         <a:rPr sz="1000" dirty="1">
                           <a:latin typeface="Arial Narrow"/>
                         </a:rPr>
-                        <a:t>tonylacey2002@gmail.com</a:t>
+                        <a:t>evelyne@airivo.com</a:t>
                       </a:r>
                     </a:p>
                   </a:txBody>
@@ -6078,7 +6102,7 @@
                         <a:rPr sz="1000" dirty="1">
                           <a:latin typeface="Arial Narrow"/>
                         </a:rPr>
-                        <a:t>1090</a:t>
+                        <a:t>2000</a:t>
                       </a:r>
                     </a:p>
                   </a:txBody>
@@ -6108,7 +6132,7 @@
                         <a:rPr sz="1000" dirty="1">
                           <a:latin typeface="Arial Narrow"/>
                         </a:rPr>
-                        <a:t>4/5/2016</a:t>
+                        <a:t>7/17/2018</a:t>
                       </a:r>
                     </a:p>
                   </a:txBody>
@@ -6125,7 +6149,7 @@
                         <a:rPr sz="1000" dirty="1">
                           <a:latin typeface="Arial Narrow"/>
                         </a:rPr>
-                        <a:t>Adrian Teasdale</a:t>
+                        <a:t>Helen Williams</a:t>
                       </a:r>
                     </a:p>
                   </a:txBody>
@@ -6140,7 +6164,7 @@
                         <a:rPr sz="1000" dirty="1">
                           <a:latin typeface="Arial Narrow"/>
                         </a:rPr>
-                        <a:t>adrian@tradewindscreens.co.uk</a:t>
+                        <a:t>helenwilliams@spbuk.com</a:t>
                       </a:r>
                     </a:p>
                   </a:txBody>
@@ -6155,7 +6179,7 @@
                         <a:rPr sz="1000" dirty="1">
                           <a:latin typeface="Arial Narrow"/>
                         </a:rPr>
-                        <a:t>900</a:t>
+                        <a:t>2000</a:t>
                       </a:r>
                     </a:p>
                   </a:txBody>
@@ -6185,7 +6209,7 @@
                         <a:rPr sz="1000" dirty="1">
                           <a:latin typeface="Arial Narrow"/>
                         </a:rPr>
-                        <a:t>2/25/2013</a:t>
+                        <a:t>6/4/2019</a:t>
                       </a:r>
                     </a:p>
                   </a:txBody>
@@ -6202,7 +6226,7 @@
                         <a:rPr sz="1000" dirty="1">
                           <a:latin typeface="Arial Narrow"/>
                         </a:rPr>
-                        <a:t>Roy Ingleton</a:t>
+                        <a:t>test test</a:t>
                       </a:r>
                     </a:p>
                   </a:txBody>
@@ -6217,7 +6241,7 @@
                         <a:rPr sz="1000" dirty="1">
                           <a:latin typeface="Arial Narrow"/>
                         </a:rPr>
-                        <a:t>ringleton@smguk.co.uk</a:t>
+                        <a:t>nitinp@live.co.uk</a:t>
                       </a:r>
                     </a:p>
                   </a:txBody>
@@ -6232,7 +6256,7 @@
                         <a:rPr sz="1000" dirty="1">
                           <a:latin typeface="Arial Narrow"/>
                         </a:rPr>
-                        <a:t>790</a:t>
+                        <a:t>909</a:t>
                       </a:r>
                     </a:p>
                   </a:txBody>
@@ -6262,7 +6286,7 @@
                         <a:rPr sz="1000" dirty="1">
                           <a:latin typeface="Arial Narrow"/>
                         </a:rPr>
-                        <a:t>11/10/2014</a:t>
+                        <a:t>1/15/2018</a:t>
                       </a:r>
                     </a:p>
                   </a:txBody>
@@ -6279,7 +6303,7 @@
                         <a:rPr sz="1000" dirty="1">
                           <a:latin typeface="Arial Narrow"/>
                         </a:rPr>
-                        <a:t>Laine Watts</a:t>
+                        <a:t>Jack Miles</a:t>
                       </a:r>
                     </a:p>
                   </a:txBody>
@@ -6294,7 +6318,7 @@
                         <a:rPr sz="1000" dirty="1">
                           <a:latin typeface="Arial Narrow"/>
                         </a:rPr>
-                        <a:t>lwatts@smguk.co.uk</a:t>
+                        <a:t>jackmiles@cordobagroup.co.uk</a:t>
                       </a:r>
                     </a:p>
                   </a:txBody>
@@ -6309,7 +6333,7 @@
                         <a:rPr sz="1000" dirty="1">
                           <a:latin typeface="Arial Narrow"/>
                         </a:rPr>
-                        <a:t>760</a:t>
+                        <a:t>500</a:t>
                       </a:r>
                     </a:p>
                   </a:txBody>
@@ -6339,7 +6363,7 @@
                         <a:rPr sz="1000" dirty="1">
                           <a:latin typeface="Arial Narrow"/>
                         </a:rPr>
-                        <a:t>1/22/2013</a:t>
+                        <a:t>11/9/2017</a:t>
                       </a:r>
                     </a:p>
                   </a:txBody>
@@ -6356,7 +6380,7 @@
                         <a:rPr sz="1000" dirty="1">
                           <a:latin typeface="Arial Narrow"/>
                         </a:rPr>
-                        <a:t>Vans Direct</a:t>
+                        <a:t>Robert Eggleston</a:t>
                       </a:r>
                     </a:p>
                   </a:txBody>
@@ -6371,7 +6395,7 @@
                         <a:rPr sz="1000" dirty="1">
                           <a:latin typeface="Arial Narrow"/>
                         </a:rPr>
-                        <a:t>Customer.Care@vansdirect.co.uk</a:t>
+                        <a:t>galanthusconsulting@talktalk.net</a:t>
                       </a:r>
                     </a:p>
                   </a:txBody>
@@ -6386,7 +6410,7 @@
                         <a:rPr sz="1000" dirty="1">
                           <a:latin typeface="Arial Narrow"/>
                         </a:rPr>
-                        <a:t>699</a:t>
+                        <a:t>160</a:t>
                       </a:r>
                     </a:p>
                   </a:txBody>
@@ -6416,7 +6440,7 @@
                         <a:rPr sz="1000" dirty="1">
                           <a:latin typeface="Arial Narrow"/>
                         </a:rPr>
-                        <a:t>8/23/2017</a:t>
+                        <a:t>11/22/2017</a:t>
                       </a:r>
                     </a:p>
                   </a:txBody>
@@ -6433,7 +6457,7 @@
                         <a:rPr sz="1000" dirty="1">
                           <a:latin typeface="Arial Narrow"/>
                         </a:rPr>
-                        <a:t>John Mullen</a:t>
+                        <a:t>test test</a:t>
                       </a:r>
                     </a:p>
                   </a:txBody>
@@ -6448,7 +6472,7 @@
                         <a:rPr sz="1000" dirty="1">
                           <a:latin typeface="Arial Narrow"/>
                         </a:rPr>
-                        <a:t>edencommercialsltd@hotmail.com</a:t>
+                        <a:t>harsh.k@shaligraminfotech.com</a:t>
                       </a:r>
                     </a:p>
                   </a:txBody>
@@ -6463,7 +6487,7 @@
                         <a:rPr sz="1000" dirty="1">
                           <a:latin typeface="Arial Narrow"/>
                         </a:rPr>
-                        <a:t>632</a:t>
+                        <a:t>120</a:t>
                       </a:r>
                     </a:p>
                   </a:txBody>
@@ -6493,7 +6517,7 @@
                         <a:rPr sz="1000" dirty="1">
                           <a:latin typeface="Arial Narrow"/>
                         </a:rPr>
-                        <a:t>1/3/2017</a:t>
+                        <a:t>11/13/2018</a:t>
                       </a:r>
                     </a:p>
                   </a:txBody>
@@ -6510,7 +6534,7 @@
                         <a:rPr sz="1000" dirty="1">
                           <a:latin typeface="Arial Narrow"/>
                         </a:rPr>
-                        <a:t>Mike Howlin</a:t>
+                        <a:t>Nitin Patel</a:t>
                       </a:r>
                     </a:p>
                   </a:txBody>
@@ -6525,7 +6549,7 @@
                         <a:rPr sz="1000" dirty="1">
                           <a:latin typeface="Arial Narrow"/>
                         </a:rPr>
-                        <a:t>mikehowlinmotors@btconnect.com</a:t>
+                        <a:t>npatel@satvasoftech.com</a:t>
                       </a:r>
                     </a:p>
                   </a:txBody>
@@ -6540,7 +6564,7 @@
                         <a:rPr sz="1000" dirty="1">
                           <a:latin typeface="Arial Narrow"/>
                         </a:rPr>
-                        <a:t>530</a:t>
+                        <a:t>106</a:t>
                       </a:r>
                     </a:p>
                   </a:txBody>
@@ -6570,7 +6594,7 @@
                         <a:rPr sz="1000" dirty="1">
                           <a:latin typeface="Arial Narrow"/>
                         </a:rPr>
-                        <a:t>1/22/2013</a:t>
+                        <a:t>3/6/2017</a:t>
                       </a:r>
                     </a:p>
                   </a:txBody>
@@ -6628,7 +6652,7 @@
           <a:bodyPr/>
           <a:lstStyle/>
           <a:p>
-            <a:fld id="{D8DC8DCF-B31C-48A2-B793-1C8539F2459A}" type="slidenum">
+            <a:fld id="{3600F84C-7CD1-4796-AF6F-79AC692DE84E}" type="slidenum">
               <a:rPr lang="en-US"/>
               <a:t>6</a:t>
             </a:fld>
@@ -6722,7 +6746,7 @@
           <a:bodyPr/>
           <a:lstStyle/>
           <a:p>
-            <a:fld id="{FD580468-9D50-43F1-A8EC-AB98A966F202}" type="slidenum">
+            <a:fld id="{6015363B-51F4-41D8-AB4A-54044482AA25}" type="slidenum">
               <a:rPr lang="en-US"/>
               <a:t>7</a:t>
             </a:fld>
@@ -6816,7 +6840,7 @@
           <a:bodyPr/>
           <a:lstStyle/>
           <a:p>
-            <a:fld id="{D7D3A585-5B04-49C5-94C0-5F934B18EE6C}" type="slidenum">
+            <a:fld id="{A6EFA23C-A34C-4521-9094-553C32B2473F}" type="slidenum">
               <a:rPr lang="en-US"/>
               <a:t>8</a:t>
             </a:fld>
@@ -6881,7 +6905,7 @@
 <file path=ppt/tags/tag1.xml><?xml version="1.0" encoding="utf-8"?>
 <p:tagLst xmlns:p="http://schemas.openxmlformats.org/presentationml/2006/main">
   <p:tag name="AS_NET" val="4.0.30319.42000"/>
-  <p:tag name="AS_OS" val="Microsoft Windows NT 6.3.9600.0"/>
+  <p:tag name="AS_OS" val="Microsoft Windows NT 10.0.17763.0"/>
   <p:tag name="AS_RELEASE_DATE" val="2013.12.17"/>
   <p:tag name="AS_TITLE" val="Spire.Presentation for .NET "/>
   <p:tag name="AS_VERSION" val="2.1.0.0"/>

--- a/CordobaAPI/Files/Monthly Report.pptx
+++ b/CordobaAPI/Files/Monthly Report.pptx
@@ -291,7 +291,7 @@
               <a:defRPr/>
             </a:pPr>
             <a:r>
-              <a:t>POINTS (188192)</a:t>
+              <a:t>POINTS (172534)</a:t>
             </a:r>
           </a:p>
         </c:rich>
@@ -355,7 +355,7 @@
                 <c:formatCode>General</c:formatCode>
                 <c:ptCount val="2"/>
                 <c:pt idx="0">
-                  <c:v>185510</c:v>
+                  <c:v>169852</c:v>
                 </c:pt>
                 <c:pt idx="1">
                   <c:v>2682</c:v>
@@ -1423,43 +1423,43 @@
                 <c:formatCode>General</c:formatCode>
                 <c:ptCount val="13"/>
                 <c:pt idx="0">
-                  <c:v>7602</c:v>
+                  <c:v>0</c:v>
                 </c:pt>
                 <c:pt idx="1">
                   <c:v>0</c:v>
                 </c:pt>
                 <c:pt idx="2">
-                  <c:v>5</c:v>
+                  <c:v>0</c:v>
                 </c:pt>
                 <c:pt idx="3">
                   <c:v>0</c:v>
                 </c:pt>
                 <c:pt idx="4">
-                  <c:v>1737</c:v>
+                  <c:v>0</c:v>
                 </c:pt>
                 <c:pt idx="5">
-                  <c:v>8205</c:v>
+                  <c:v>0</c:v>
                 </c:pt>
                 <c:pt idx="6">
-                  <c:v>1701</c:v>
+                  <c:v>0</c:v>
                 </c:pt>
                 <c:pt idx="7">
-                  <c:v>1272</c:v>
+                  <c:v>0</c:v>
                 </c:pt>
                 <c:pt idx="8">
-                  <c:v>1593</c:v>
+                  <c:v>0</c:v>
                 </c:pt>
                 <c:pt idx="9">
-                  <c:v>1694</c:v>
+                  <c:v>0</c:v>
                 </c:pt>
                 <c:pt idx="10">
-                  <c:v>460</c:v>
+                  <c:v>0</c:v>
                 </c:pt>
                 <c:pt idx="11">
-                  <c:v>574</c:v>
+                  <c:v>0</c:v>
                 </c:pt>
                 <c:pt idx="12">
-                  <c:v>638</c:v>
+                  <c:v>0</c:v>
                 </c:pt>
               </c:numCache>
             </c:numRef>
@@ -1657,295 +1657,6 @@
             </a:pPr>
             <a:r>
               <a:t>Points</a:t>
-            </a:r>
-          </a:p>
-        </c:txPr>
-      </c:legendEntry>
-      <c:legendEntry>
-        <c:idx val="1"/>
-        <c:txPr>
-          <a:bodyPr/>
-          <a:lstStyle/>
-          <a:p>
-            <a:pPr>
-              <a:defRPr/>
-            </a:pPr>
-            <a:r>
-              <a:t>Chart</a:t>
-            </a:r>
-          </a:p>
-        </c:txPr>
-      </c:legendEntry>
-      <c:layout/>
-      <c:overlay val="0"/>
-    </c:legend>
-    <c:plotVisOnly val="1"/>
-  </c:chart>
-  <c:txPr>
-    <a:bodyPr/>
-    <a:lstStyle/>
-    <a:p>
-      <a:pPr>
-        <a:defRPr sz="1800"/>
-      </a:pPr>
-      <a:endParaRPr lang="ru-RU"/>
-    </a:p>
-  </c:txPr>
-  <c:externalData r:id="rId1"/>
-</c:chartSpace>
-</file>
-
-<file path=ppt/charts/chart6.xml><?xml version="1.0" encoding="utf-8"?>
-<c:chartSpace xmlns:c="http://schemas.openxmlformats.org/drawingml/2006/chart" xmlns:a="http://schemas.openxmlformats.org/drawingml/2006/main" xmlns:r="http://schemas.openxmlformats.org/officeDocument/2006/relationships">
-  <c:lang val="ru-RU"/>
-  <mc:AlternateContent xmlns:mc="http://schemas.openxmlformats.org/markup-compatibility/2006">
-    <mc:Choice xmlns:c14="http://schemas.microsoft.com/office/drawing/2007/8/2/chart" Requires="c14">
-      <c14:style val="102"/>
-    </mc:Choice>
-    <mc:Fallback>
-      <c:style val="2"/>
-    </mc:Fallback>
-  </mc:AlternateContent>
-  <c:chart>
-    <c:title>
-      <c:tx>
-        <c:rich>
-          <a:bodyPr anchorCtr="1"/>
-          <a:lstStyle/>
-          <a:p>
-            <a:pPr>
-              <a:defRPr/>
-            </a:pPr>
-            <a:r>
-              <a:t>Order Placed By Type</a:t>
-            </a:r>
-          </a:p>
-        </c:rich>
-      </c:tx>
-      <c:layout>
-        <c:manualLayout>
-          <c:xMode val="edge"/>
-          <c:yMode val="edge"/>
-          <c:h val="0.075"/>
-        </c:manualLayout>
-      </c:layout>
-      <c:overlay val="0"/>
-    </c:title>
-    <c:plotArea>
-      <c:layout/>
-      <c:barChart>
-        <c:axId val="67451136"/>
-        <c:axId val="66437120"/>
-        <c:barDir val="col"/>
-        <c:grouping val="clustered"/>
-        <c:varyColors val="0"/>
-        <c:ser>
-          <c:idx val="0"/>
-          <c:order val="1"/>
-          <c:tx>
-            <c:strRef>
-              <c:f>Sheet1!$B$1</c:f>
-              <c:strCache>
-                <c:ptCount val="1"/>
-                <c:pt idx="0">
-                  <c:v>OrderCount</c:v>
-                </c:pt>
-              </c:strCache>
-            </c:strRef>
-          </c:tx>
-          <c:invertIfNegative/>
-          <c:cat>
-            <c:strRef>
-              <c:f>Sheet1!$A$2:$A$6</c:f>
-              <c:strCache>
-                <c:ptCount val="5"/>
-                <c:pt idx="0">
-                  <c:v>Apple Iphone accessories</c:v>
-                </c:pt>
-                <c:pt idx="1">
-                  <c:v>Experiences</c:v>
-                </c:pt>
-                <c:pt idx="2">
-                  <c:v>Hotel Chocolat</c:v>
-                </c:pt>
-                <c:pt idx="3">
-                  <c:v>Vouchers</c:v>
-                </c:pt>
-                <c:pt idx="4">
-                  <c:v>Watches</c:v>
-                </c:pt>
-              </c:strCache>
-            </c:strRef>
-          </c:cat>
-          <c:val>
-            <c:numRef>
-              <c:f>Sheet1!$B$2:$B$6</c:f>
-              <c:numCache>
-                <c:formatCode>General</c:formatCode>
-                <c:ptCount val="5"/>
-                <c:pt idx="0">
-                  <c:v>1</c:v>
-                </c:pt>
-                <c:pt idx="1">
-                  <c:v>1</c:v>
-                </c:pt>
-                <c:pt idx="2">
-                  <c:v>4</c:v>
-                </c:pt>
-                <c:pt idx="3">
-                  <c:v>1</c:v>
-                </c:pt>
-                <c:pt idx="4">
-                  <c:v>1</c:v>
-                </c:pt>
-              </c:numCache>
-            </c:numRef>
-          </c:val>
-          <c:shape val="box"/>
-        </c:ser>
-        <c:gapWidth val="200"/>
-      </c:barChart>
-      <c:lineChart>
-        <c:axId val="67451136"/>
-        <c:axId val="66437120"/>
-        <c:grouping val="standard"/>
-        <c:varyColors val="0"/>
-        <c:ser>
-          <c:idx val="0"/>
-          <c:order val="2"/>
-          <c:tx>
-            <c:strRef>
-              <c:f>Sheet1!$C$1</c:f>
-              <c:strCache>
-                <c:ptCount val="1"/>
-                <c:pt idx="0">
-                  <c:v>Chart</c:v>
-                </c:pt>
-              </c:strCache>
-            </c:strRef>
-          </c:tx>
-          <c:marker>
-            <c:spPr/>
-          </c:marker>
-          <c:cat>
-            <c:strRef>
-              <c:f>Sheet1!$A$2:$A$6</c:f>
-              <c:strCache>
-                <c:ptCount val="5"/>
-                <c:pt idx="0">
-                  <c:v>Apple Iphone accessories</c:v>
-                </c:pt>
-                <c:pt idx="1">
-                  <c:v>Experiences</c:v>
-                </c:pt>
-                <c:pt idx="2">
-                  <c:v>Hotel Chocolat</c:v>
-                </c:pt>
-                <c:pt idx="3">
-                  <c:v>Vouchers</c:v>
-                </c:pt>
-                <c:pt idx="4">
-                  <c:v>Watches</c:v>
-                </c:pt>
-              </c:strCache>
-            </c:strRef>
-          </c:cat>
-          <c:val>
-            <c:numRef>
-              <c:f>Sheet1!$C$2:$C$6</c:f>
-              <c:numCache>
-                <c:formatCode>General</c:formatCode>
-                <c:ptCount val="5"/>
-                <c:pt idx="0">
-                  <c:v/>
-                </c:pt>
-                <c:pt idx="1">
-                  <c:v/>
-                </c:pt>
-                <c:pt idx="2">
-                  <c:v/>
-                </c:pt>
-                <c:pt idx="3">
-                  <c:v/>
-                </c:pt>
-                <c:pt idx="4">
-                  <c:v/>
-                </c:pt>
-              </c:numCache>
-            </c:numRef>
-          </c:val>
-          <c:smooth val="0"/>
-        </c:ser>
-        <c:marker/>
-      </c:lineChart>
-      <c:catAx>
-        <c:axId val="67451136"/>
-        <c:scaling>
-          <c:orientation val="minMax"/>
-        </c:scaling>
-        <c:delete val="0"/>
-        <c:axPos val="b"/>
-        <c:majorTickMark val="cross"/>
-        <c:minorTickMark val="cross"/>
-        <c:tickLblPos val="nextTo"/>
-        <c:spPr/>
-        <c:txPr>
-          <a:bodyPr/>
-          <a:lstStyle/>
-          <a:p>
-            <a:pPr>
-              <a:defRPr/>
-            </a:pPr>
-          </a:p>
-        </c:txPr>
-        <c:crossAx val="66437120"/>
-        <c:crosses val="autoZero"/>
-        <c:auto val="1"/>
-        <c:lblAlgn val="ctr"/>
-        <c:lblOffset val="100"/>
-      </c:catAx>
-      <c:valAx>
-        <c:axId val="66437120"/>
-        <c:scaling>
-          <c:orientation val="minMax"/>
-        </c:scaling>
-        <c:delete val="0"/>
-        <c:axPos val="l"/>
-        <c:majorGridlines>
-          <c:spPr/>
-        </c:majorGridlines>
-        <c:numFmt formatCode="General" sourceLinked="1"/>
-        <c:majorTickMark val="cross"/>
-        <c:minorTickMark val="cross"/>
-        <c:tickLblPos val="nextTo"/>
-        <c:spPr/>
-        <c:txPr>
-          <a:bodyPr/>
-          <a:lstStyle/>
-          <a:p>
-            <a:pPr>
-              <a:defRPr/>
-            </a:pPr>
-          </a:p>
-        </c:txPr>
-        <c:crossAx val="67451136"/>
-        <c:crosses val="autoZero"/>
-        <c:crossBetween val="between"/>
-      </c:valAx>
-    </c:plotArea>
-    <c:legend>
-      <c:legendPos val="r"/>
-      <c:legendEntry>
-        <c:idx val="0"/>
-        <c:txPr>
-          <a:bodyPr/>
-          <a:lstStyle/>
-          <a:p>
-            <a:pPr>
-              <a:defRPr/>
-            </a:pPr>
-            <a:r>
-              <a:t>OrderCount</a:t>
             </a:r>
           </a:p>
         </c:txPr>
@@ -5205,7 +4916,7 @@
           <a:bodyPr/>
           <a:lstStyle/>
           <a:p>
-            <a:fld id="{9525B3AE-E0A6-4CAC-9E6B-2697311C9C42}" type="slidenum">
+            <a:fld id="{A0E0E069-ED78-443B-93F1-16BE7D8BD4F1}" type="slidenum">
               <a:rPr lang="en-US"/>
               <a:t>1</a:t>
             </a:fld>
@@ -5259,7 +4970,7 @@
           <a:bodyPr/>
           <a:lstStyle/>
           <a:p>
-            <a:fld id="{CCB8B687-3BA4-4EE0-8DC1-1989DBF97565}" type="slidenum">
+            <a:fld id="{73E4B0E2-A28C-492D-AB0F-83D03E30EA07}" type="slidenum">
               <a:rPr lang="en-US"/>
               <a:t>2</a:t>
             </a:fld>
@@ -5407,7 +5118,7 @@
           <a:bodyPr/>
           <a:lstStyle/>
           <a:p>
-            <a:fld id="{B4842EE0-B7C1-45A8-AF7F-14126DE94F0C}" type="slidenum">
+            <a:fld id="{4A22C0A9-90B7-4D78-A759-4D31A0DAA254}" type="slidenum">
               <a:rPr lang="en-US"/>
               <a:t>3</a:t>
             </a:fld>
@@ -5563,7 +5274,7 @@
           <a:bodyPr/>
           <a:lstStyle/>
           <a:p>
-            <a:fld id="{3ECAA943-18EF-4026-9BDE-78BD0FB13E16}" type="slidenum">
+            <a:fld id="{39DBAD6A-C5E0-41C9-AE83-4F08577830FA}" type="slidenum">
               <a:rPr lang="en-US"/>
               <a:t>4</a:t>
             </a:fld>
@@ -5657,7 +5368,7 @@
           <a:bodyPr/>
           <a:lstStyle/>
           <a:p>
-            <a:fld id="{616A7EFF-8BC3-4D1B-8145-905DFBCBBFE1}" type="slidenum">
+            <a:fld id="{CB36306B-B522-4161-9E8D-70731CE2907D}" type="slidenum">
               <a:rPr lang="en-US"/>
               <a:t>5</a:t>
             </a:fld>
@@ -5871,7 +5582,7 @@
                         <a:rPr sz="1000" dirty="1">
                           <a:latin typeface="Arial Narrow"/>
                         </a:rPr>
-                        <a:t>125529</a:t>
+                        <a:t>109871</a:t>
                       </a:r>
                     </a:p>
                   </a:txBody>
@@ -6652,7 +6363,7 @@
           <a:bodyPr/>
           <a:lstStyle/>
           <a:p>
-            <a:fld id="{3600F84C-7CD1-4796-AF6F-79AC692DE84E}" type="slidenum">
+            <a:fld id="{91D3DED2-D235-4902-9EAB-0FA8D7D8C0A3}" type="slidenum">
               <a:rPr lang="en-US"/>
               <a:t>6</a:t>
             </a:fld>
@@ -6746,7 +6457,7 @@
           <a:bodyPr/>
           <a:lstStyle/>
           <a:p>
-            <a:fld id="{6015363B-51F4-41D8-AB4A-54044482AA25}" type="slidenum">
+            <a:fld id="{095428B9-F74D-4CFD-90EB-1E3BA3926B96}" type="slidenum">
               <a:rPr lang="en-US"/>
               <a:t>7</a:t>
             </a:fld>
@@ -6840,7 +6551,7 @@
           <a:bodyPr/>
           <a:lstStyle/>
           <a:p>
-            <a:fld id="{A6EFA23C-A34C-4521-9094-553C32B2473F}" type="slidenum">
+            <a:fld id="{ED5D8E5B-6FEA-4D97-8256-627A0108E58B}" type="slidenum">
               <a:rPr lang="en-US"/>
               <a:t>8</a:t>
             </a:fld>
@@ -6854,7 +6565,7 @@
           <p:nvPr/>
         </p:nvPicPr>
         <p:blipFill>
-          <a:blip r:embed="rId3"/>
+          <a:blip r:embed="rId2"/>
           <a:srcRect/>
           <a:stretch>
             <a:fillRect/>
@@ -6871,22 +6582,98 @@
           </a:ln>
         </p:spPr>
       </p:pic>
-      <p:graphicFrame>
-        <p:nvGraphicFramePr>
-          <p:cNvPr id="4" name="ChartObject"/>
-          <p:cNvGraphicFramePr/>
+      <p:sp>
+        <p:nvSpPr>
+          <p:cNvPr id="4" name="New shape"/>
+          <p:cNvSpPr/>
           <p:nvPr/>
-        </p:nvGraphicFramePr>
-        <p:xfrm>
-          <a:off x="127000" y="1270000"/>
-          <a:ext cx="8890000" cy="5080000"/>
-        </p:xfrm>
-        <a:graphic>
-          <a:graphicData uri="http://schemas.openxmlformats.org/drawingml/2006/chart">
-            <c:chart xmlns:c="http://schemas.openxmlformats.org/drawingml/2006/chart" r:id="rId1"/>
-          </a:graphicData>
-        </a:graphic>
-      </p:graphicFrame>
+        </p:nvSpPr>
+        <p:spPr>
+          <a:xfrm>
+            <a:off x="762000" y="127000"/>
+            <a:ext cx="6350000" cy="1651000"/>
+          </a:xfrm>
+          <a:prstGeom prst="rect"/>
+          <a:noFill/>
+        </p:spPr>
+        <p:style>
+          <a:lnRef idx="2">
+            <a:srgbClr val="000000">
+              <a:alpha val="0"/>
+            </a:srgbClr>
+          </a:lnRef>
+          <a:fillRef idx="1">
+            <a:schemeClr val="accent1"/>
+          </a:fillRef>
+          <a:effectRef idx="0">
+            <a:schemeClr val="accent1"/>
+          </a:effectRef>
+          <a:fontRef idx="minor">
+            <a:schemeClr val="lt1"/>
+          </a:fontRef>
+        </p:style>
+        <p:txBody>
+          <a:bodyPr rtlCol="0" anchor="ctr"/>
+          <a:lstStyle/>
+          <a:p>
+            <a:pPr algn="ctr"/>
+            <a:r>
+              <a:rPr sz="2000" dirty="1">
+                <a:solidFill>
+                  <a:srgbClr val="000000"/>
+                </a:solidFill>
+              </a:rPr>
+              <a:t>Order Placed By Type</a:t>
+            </a:r>
+          </a:p>
+        </p:txBody>
+      </p:sp>
+      <p:sp>
+        <p:nvSpPr>
+          <p:cNvPr id="5" name="New shape"/>
+          <p:cNvSpPr/>
+          <p:nvPr/>
+        </p:nvSpPr>
+        <p:spPr>
+          <a:xfrm>
+            <a:off x="762000" y="1270000"/>
+            <a:ext cx="6350000" cy="1651000"/>
+          </a:xfrm>
+          <a:prstGeom prst="rect"/>
+          <a:noFill/>
+        </p:spPr>
+        <p:style>
+          <a:lnRef idx="2">
+            <a:srgbClr val="000000">
+              <a:alpha val="0"/>
+            </a:srgbClr>
+          </a:lnRef>
+          <a:fillRef idx="1">
+            <a:schemeClr val="accent1"/>
+          </a:fillRef>
+          <a:effectRef idx="0">
+            <a:schemeClr val="accent1"/>
+          </a:effectRef>
+          <a:fontRef idx="minor">
+            <a:schemeClr val="lt1"/>
+          </a:fontRef>
+        </p:style>
+        <p:txBody>
+          <a:bodyPr rtlCol="0" anchor="ctr"/>
+          <a:lstStyle/>
+          <a:p>
+            <a:pPr algn="ctr"/>
+            <a:r>
+              <a:rPr sz="2000" dirty="1">
+                <a:solidFill>
+                  <a:srgbClr val="000000"/>
+                </a:solidFill>
+              </a:rPr>
+              <a:t>No Orders Available.</a:t>
+            </a:r>
+          </a:p>
+        </p:txBody>
+      </p:sp>
     </p:spTree>
   </p:cSld>
   <p:clrMapOvr>
